--- a/preliminary/Working/presentations/KeyStone_Connectivity._prioritypptx.pptx
+++ b/preliminary/Working/presentations/KeyStone_Connectivity._prioritypptx.pptx
@@ -651,14 +651,14 @@
         <p:spPr>
           <a:extLst>
             <a:ext uri="{909E8E84-426E-40DD-AFC4-6F175D3DCCD1}">
-              <a14:hiddenFill xmlns="" xmlns:a14="http://schemas.microsoft.com/office/drawing/2010/main">
+              <a14:hiddenFill xmlns:a14="http://schemas.microsoft.com/office/drawing/2010/main" xmlns="">
                 <a:solidFill>
                   <a:schemeClr val="accent1"/>
                 </a:solidFill>
               </a14:hiddenFill>
             </a:ext>
             <a:ext uri="{91240B29-F687-4F45-9708-019B960494DF}">
-              <a14:hiddenLine xmlns="" xmlns:a14="http://schemas.microsoft.com/office/drawing/2010/main" w="9525">
+              <a14:hiddenLine xmlns:a14="http://schemas.microsoft.com/office/drawing/2010/main" xmlns="" w="9525">
                 <a:solidFill>
                   <a:schemeClr val="tx1"/>
                 </a:solidFill>
@@ -668,7 +668,7 @@
               </a14:hiddenLine>
             </a:ext>
             <a:ext uri="{AF507438-7753-43E0-B8FC-AC1667EBCBE1}">
-              <a14:hiddenEffects xmlns="" xmlns:a14="http://schemas.microsoft.com/office/drawing/2010/main">
+              <a14:hiddenEffects xmlns:a14="http://schemas.microsoft.com/office/drawing/2010/main" xmlns="">
                 <a:effectLst>
                   <a:outerShdw dist="35921" dir="2700000" algn="ctr" rotWithShape="0">
                     <a:schemeClr val="bg2"/>
@@ -769,14 +769,14 @@
         <p:spPr>
           <a:extLst>
             <a:ext uri="{909E8E84-426E-40DD-AFC4-6F175D3DCCD1}">
-              <a14:hiddenFill xmlns="" xmlns:a14="http://schemas.microsoft.com/office/drawing/2010/main">
+              <a14:hiddenFill xmlns:a14="http://schemas.microsoft.com/office/drawing/2010/main" xmlns="">
                 <a:solidFill>
                   <a:schemeClr val="accent1"/>
                 </a:solidFill>
               </a14:hiddenFill>
             </a:ext>
             <a:ext uri="{91240B29-F687-4F45-9708-019B960494DF}">
-              <a14:hiddenLine xmlns="" xmlns:a14="http://schemas.microsoft.com/office/drawing/2010/main" w="9525">
+              <a14:hiddenLine xmlns:a14="http://schemas.microsoft.com/office/drawing/2010/main" xmlns="" w="9525">
                 <a:solidFill>
                   <a:schemeClr val="tx1"/>
                 </a:solidFill>
@@ -786,7 +786,7 @@
               </a14:hiddenLine>
             </a:ext>
             <a:ext uri="{AF507438-7753-43E0-B8FC-AC1667EBCBE1}">
-              <a14:hiddenEffects xmlns="" xmlns:a14="http://schemas.microsoft.com/office/drawing/2010/main">
+              <a14:hiddenEffects xmlns:a14="http://schemas.microsoft.com/office/drawing/2010/main" xmlns="">
                 <a:effectLst>
                   <a:outerShdw dist="35921" dir="2700000" algn="ctr" rotWithShape="0">
                     <a:schemeClr val="bg2"/>
@@ -887,14 +887,14 @@
         <p:spPr>
           <a:extLst>
             <a:ext uri="{909E8E84-426E-40DD-AFC4-6F175D3DCCD1}">
-              <a14:hiddenFill xmlns="" xmlns:a14="http://schemas.microsoft.com/office/drawing/2010/main">
+              <a14:hiddenFill xmlns:a14="http://schemas.microsoft.com/office/drawing/2010/main" xmlns="">
                 <a:solidFill>
                   <a:schemeClr val="accent1"/>
                 </a:solidFill>
               </a14:hiddenFill>
             </a:ext>
             <a:ext uri="{91240B29-F687-4F45-9708-019B960494DF}">
-              <a14:hiddenLine xmlns="" xmlns:a14="http://schemas.microsoft.com/office/drawing/2010/main" w="9525">
+              <a14:hiddenLine xmlns:a14="http://schemas.microsoft.com/office/drawing/2010/main" xmlns="" w="9525">
                 <a:solidFill>
                   <a:schemeClr val="tx1"/>
                 </a:solidFill>
@@ -904,7 +904,7 @@
               </a14:hiddenLine>
             </a:ext>
             <a:ext uri="{AF507438-7753-43E0-B8FC-AC1667EBCBE1}">
-              <a14:hiddenEffects xmlns="" xmlns:a14="http://schemas.microsoft.com/office/drawing/2010/main">
+              <a14:hiddenEffects xmlns:a14="http://schemas.microsoft.com/office/drawing/2010/main" xmlns="">
                 <a:effectLst>
                   <a:outerShdw dist="35921" dir="2700000" algn="ctr" rotWithShape="0">
                     <a:schemeClr val="bg2"/>
@@ -1005,14 +1005,14 @@
         <p:spPr>
           <a:extLst>
             <a:ext uri="{909E8E84-426E-40DD-AFC4-6F175D3DCCD1}">
-              <a14:hiddenFill xmlns="" xmlns:a14="http://schemas.microsoft.com/office/drawing/2010/main">
+              <a14:hiddenFill xmlns:a14="http://schemas.microsoft.com/office/drawing/2010/main" xmlns="">
                 <a:solidFill>
                   <a:schemeClr val="accent1"/>
                 </a:solidFill>
               </a14:hiddenFill>
             </a:ext>
             <a:ext uri="{91240B29-F687-4F45-9708-019B960494DF}">
-              <a14:hiddenLine xmlns="" xmlns:a14="http://schemas.microsoft.com/office/drawing/2010/main" w="9525">
+              <a14:hiddenLine xmlns:a14="http://schemas.microsoft.com/office/drawing/2010/main" xmlns="" w="9525">
                 <a:solidFill>
                   <a:schemeClr val="tx1"/>
                 </a:solidFill>
@@ -1022,7 +1022,7 @@
               </a14:hiddenLine>
             </a:ext>
             <a:ext uri="{AF507438-7753-43E0-B8FC-AC1667EBCBE1}">
-              <a14:hiddenEffects xmlns="" xmlns:a14="http://schemas.microsoft.com/office/drawing/2010/main">
+              <a14:hiddenEffects xmlns:a14="http://schemas.microsoft.com/office/drawing/2010/main" xmlns="">
                 <a:effectLst>
                   <a:outerShdw dist="35921" dir="2700000" algn="ctr" rotWithShape="0">
                     <a:schemeClr val="bg2"/>
@@ -1123,14 +1123,14 @@
         <p:spPr>
           <a:extLst>
             <a:ext uri="{909E8E84-426E-40DD-AFC4-6F175D3DCCD1}">
-              <a14:hiddenFill xmlns="" xmlns:a14="http://schemas.microsoft.com/office/drawing/2010/main">
+              <a14:hiddenFill xmlns:a14="http://schemas.microsoft.com/office/drawing/2010/main" xmlns="">
                 <a:solidFill>
                   <a:schemeClr val="accent1"/>
                 </a:solidFill>
               </a14:hiddenFill>
             </a:ext>
             <a:ext uri="{91240B29-F687-4F45-9708-019B960494DF}">
-              <a14:hiddenLine xmlns="" xmlns:a14="http://schemas.microsoft.com/office/drawing/2010/main" w="9525">
+              <a14:hiddenLine xmlns:a14="http://schemas.microsoft.com/office/drawing/2010/main" xmlns="" w="9525">
                 <a:solidFill>
                   <a:schemeClr val="tx1"/>
                 </a:solidFill>
@@ -1140,7 +1140,7 @@
               </a14:hiddenLine>
             </a:ext>
             <a:ext uri="{AF507438-7753-43E0-B8FC-AC1667EBCBE1}">
-              <a14:hiddenEffects xmlns="" xmlns:a14="http://schemas.microsoft.com/office/drawing/2010/main">
+              <a14:hiddenEffects xmlns:a14="http://schemas.microsoft.com/office/drawing/2010/main" xmlns="">
                 <a:effectLst>
                   <a:outerShdw dist="35921" dir="2700000" algn="ctr" rotWithShape="0">
                     <a:schemeClr val="bg2"/>
@@ -1241,14 +1241,14 @@
         <p:spPr>
           <a:extLst>
             <a:ext uri="{909E8E84-426E-40DD-AFC4-6F175D3DCCD1}">
-              <a14:hiddenFill xmlns="" xmlns:a14="http://schemas.microsoft.com/office/drawing/2010/main">
+              <a14:hiddenFill xmlns:a14="http://schemas.microsoft.com/office/drawing/2010/main" xmlns="">
                 <a:solidFill>
                   <a:schemeClr val="accent1"/>
                 </a:solidFill>
               </a14:hiddenFill>
             </a:ext>
             <a:ext uri="{91240B29-F687-4F45-9708-019B960494DF}">
-              <a14:hiddenLine xmlns="" xmlns:a14="http://schemas.microsoft.com/office/drawing/2010/main" w="9525">
+              <a14:hiddenLine xmlns:a14="http://schemas.microsoft.com/office/drawing/2010/main" xmlns="" w="9525">
                 <a:solidFill>
                   <a:schemeClr val="tx1"/>
                 </a:solidFill>
@@ -1258,7 +1258,7 @@
               </a14:hiddenLine>
             </a:ext>
             <a:ext uri="{AF507438-7753-43E0-B8FC-AC1667EBCBE1}">
-              <a14:hiddenEffects xmlns="" xmlns:a14="http://schemas.microsoft.com/office/drawing/2010/main">
+              <a14:hiddenEffects xmlns:a14="http://schemas.microsoft.com/office/drawing/2010/main" xmlns="">
                 <a:effectLst>
                   <a:outerShdw dist="35921" dir="2700000" algn="ctr" rotWithShape="0">
                     <a:schemeClr val="bg2"/>
@@ -1363,14 +1363,14 @@
         <p:spPr>
           <a:extLst>
             <a:ext uri="{909E8E84-426E-40DD-AFC4-6F175D3DCCD1}">
-              <a14:hiddenFill xmlns="" xmlns:a14="http://schemas.microsoft.com/office/drawing/2010/main">
+              <a14:hiddenFill xmlns:a14="http://schemas.microsoft.com/office/drawing/2010/main" xmlns="">
                 <a:solidFill>
                   <a:schemeClr val="accent1"/>
                 </a:solidFill>
               </a14:hiddenFill>
             </a:ext>
             <a:ext uri="{91240B29-F687-4F45-9708-019B960494DF}">
-              <a14:hiddenLine xmlns="" xmlns:a14="http://schemas.microsoft.com/office/drawing/2010/main" w="9525">
+              <a14:hiddenLine xmlns:a14="http://schemas.microsoft.com/office/drawing/2010/main" xmlns="" w="9525">
                 <a:solidFill>
                   <a:schemeClr val="tx1"/>
                 </a:solidFill>
@@ -1380,7 +1380,7 @@
               </a14:hiddenLine>
             </a:ext>
             <a:ext uri="{AF507438-7753-43E0-B8FC-AC1667EBCBE1}">
-              <a14:hiddenEffects xmlns="" xmlns:a14="http://schemas.microsoft.com/office/drawing/2010/main">
+              <a14:hiddenEffects xmlns:a14="http://schemas.microsoft.com/office/drawing/2010/main" xmlns="">
                 <a:effectLst>
                   <a:outerShdw dist="35921" dir="2700000" algn="ctr" rotWithShape="0">
                     <a:schemeClr val="bg2"/>
@@ -1578,14 +1578,14 @@
         <p:spPr>
           <a:extLst>
             <a:ext uri="{909E8E84-426E-40DD-AFC4-6F175D3DCCD1}">
-              <a14:hiddenFill xmlns="" xmlns:a14="http://schemas.microsoft.com/office/drawing/2010/main">
+              <a14:hiddenFill xmlns:a14="http://schemas.microsoft.com/office/drawing/2010/main" xmlns="">
                 <a:solidFill>
                   <a:schemeClr val="accent1"/>
                 </a:solidFill>
               </a14:hiddenFill>
             </a:ext>
             <a:ext uri="{91240B29-F687-4F45-9708-019B960494DF}">
-              <a14:hiddenLine xmlns="" xmlns:a14="http://schemas.microsoft.com/office/drawing/2010/main" w="9525">
+              <a14:hiddenLine xmlns:a14="http://schemas.microsoft.com/office/drawing/2010/main" xmlns="" w="9525">
                 <a:solidFill>
                   <a:schemeClr val="tx1"/>
                 </a:solidFill>
@@ -1595,7 +1595,7 @@
               </a14:hiddenLine>
             </a:ext>
             <a:ext uri="{AF507438-7753-43E0-B8FC-AC1667EBCBE1}">
-              <a14:hiddenEffects xmlns="" xmlns:a14="http://schemas.microsoft.com/office/drawing/2010/main">
+              <a14:hiddenEffects xmlns:a14="http://schemas.microsoft.com/office/drawing/2010/main" xmlns="">
                 <a:effectLst>
                   <a:outerShdw dist="35921" dir="2700000" algn="ctr" rotWithShape="0">
                     <a:schemeClr val="bg2"/>
@@ -1696,14 +1696,14 @@
         <p:spPr>
           <a:extLst>
             <a:ext uri="{909E8E84-426E-40DD-AFC4-6F175D3DCCD1}">
-              <a14:hiddenFill xmlns="" xmlns:a14="http://schemas.microsoft.com/office/drawing/2010/main">
+              <a14:hiddenFill xmlns:a14="http://schemas.microsoft.com/office/drawing/2010/main" xmlns="">
                 <a:solidFill>
                   <a:schemeClr val="accent1"/>
                 </a:solidFill>
               </a14:hiddenFill>
             </a:ext>
             <a:ext uri="{91240B29-F687-4F45-9708-019B960494DF}">
-              <a14:hiddenLine xmlns="" xmlns:a14="http://schemas.microsoft.com/office/drawing/2010/main" w="9525">
+              <a14:hiddenLine xmlns:a14="http://schemas.microsoft.com/office/drawing/2010/main" xmlns="" w="9525">
                 <a:solidFill>
                   <a:schemeClr val="tx1"/>
                 </a:solidFill>
@@ -1713,7 +1713,7 @@
               </a14:hiddenLine>
             </a:ext>
             <a:ext uri="{AF507438-7753-43E0-B8FC-AC1667EBCBE1}">
-              <a14:hiddenEffects xmlns="" xmlns:a14="http://schemas.microsoft.com/office/drawing/2010/main">
+              <a14:hiddenEffects xmlns:a14="http://schemas.microsoft.com/office/drawing/2010/main" xmlns="">
                 <a:effectLst>
                   <a:outerShdw dist="35921" dir="2700000" algn="ctr" rotWithShape="0">
                     <a:schemeClr val="bg2"/>
@@ -1832,14 +1832,14 @@
         <p:spPr>
           <a:extLst>
             <a:ext uri="{909E8E84-426E-40DD-AFC4-6F175D3DCCD1}">
-              <a14:hiddenFill xmlns="" xmlns:a14="http://schemas.microsoft.com/office/drawing/2010/main">
+              <a14:hiddenFill xmlns:a14="http://schemas.microsoft.com/office/drawing/2010/main" xmlns="">
                 <a:solidFill>
                   <a:schemeClr val="accent1"/>
                 </a:solidFill>
               </a14:hiddenFill>
             </a:ext>
             <a:ext uri="{91240B29-F687-4F45-9708-019B960494DF}">
-              <a14:hiddenLine xmlns="" xmlns:a14="http://schemas.microsoft.com/office/drawing/2010/main" w="9525">
+              <a14:hiddenLine xmlns:a14="http://schemas.microsoft.com/office/drawing/2010/main" xmlns="" w="9525">
                 <a:solidFill>
                   <a:schemeClr val="tx1"/>
                 </a:solidFill>
@@ -1849,7 +1849,7 @@
               </a14:hiddenLine>
             </a:ext>
             <a:ext uri="{AF507438-7753-43E0-B8FC-AC1667EBCBE1}">
-              <a14:hiddenEffects xmlns="" xmlns:a14="http://schemas.microsoft.com/office/drawing/2010/main">
+              <a14:hiddenEffects xmlns:a14="http://schemas.microsoft.com/office/drawing/2010/main" xmlns="">
                 <a:effectLst>
                   <a:outerShdw dist="35921" dir="2700000" algn="ctr" rotWithShape="0">
                     <a:schemeClr val="bg2"/>
@@ -1950,14 +1950,14 @@
         <p:spPr>
           <a:extLst>
             <a:ext uri="{909E8E84-426E-40DD-AFC4-6F175D3DCCD1}">
-              <a14:hiddenFill xmlns="" xmlns:a14="http://schemas.microsoft.com/office/drawing/2010/main">
+              <a14:hiddenFill xmlns:a14="http://schemas.microsoft.com/office/drawing/2010/main" xmlns="">
                 <a:solidFill>
                   <a:schemeClr val="accent1"/>
                 </a:solidFill>
               </a14:hiddenFill>
             </a:ext>
             <a:ext uri="{91240B29-F687-4F45-9708-019B960494DF}">
-              <a14:hiddenLine xmlns="" xmlns:a14="http://schemas.microsoft.com/office/drawing/2010/main" w="9525">
+              <a14:hiddenLine xmlns:a14="http://schemas.microsoft.com/office/drawing/2010/main" xmlns="" w="9525">
                 <a:solidFill>
                   <a:schemeClr val="tx1"/>
                 </a:solidFill>
@@ -1967,7 +1967,7 @@
               </a14:hiddenLine>
             </a:ext>
             <a:ext uri="{AF507438-7753-43E0-B8FC-AC1667EBCBE1}">
-              <a14:hiddenEffects xmlns="" xmlns:a14="http://schemas.microsoft.com/office/drawing/2010/main">
+              <a14:hiddenEffects xmlns:a14="http://schemas.microsoft.com/office/drawing/2010/main" xmlns="">
                 <a:effectLst>
                   <a:outerShdw dist="35921" dir="2700000" algn="ctr" rotWithShape="0">
                     <a:schemeClr val="bg2"/>
@@ -2068,14 +2068,14 @@
         <p:spPr>
           <a:extLst>
             <a:ext uri="{909E8E84-426E-40DD-AFC4-6F175D3DCCD1}">
-              <a14:hiddenFill xmlns="" xmlns:a14="http://schemas.microsoft.com/office/drawing/2010/main">
+              <a14:hiddenFill xmlns:a14="http://schemas.microsoft.com/office/drawing/2010/main" xmlns="">
                 <a:solidFill>
                   <a:schemeClr val="accent1"/>
                 </a:solidFill>
               </a14:hiddenFill>
             </a:ext>
             <a:ext uri="{91240B29-F687-4F45-9708-019B960494DF}">
-              <a14:hiddenLine xmlns="" xmlns:a14="http://schemas.microsoft.com/office/drawing/2010/main" w="9525">
+              <a14:hiddenLine xmlns:a14="http://schemas.microsoft.com/office/drawing/2010/main" xmlns="" w="9525">
                 <a:solidFill>
                   <a:schemeClr val="tx1"/>
                 </a:solidFill>
@@ -2085,7 +2085,7 @@
               </a14:hiddenLine>
             </a:ext>
             <a:ext uri="{AF507438-7753-43E0-B8FC-AC1667EBCBE1}">
-              <a14:hiddenEffects xmlns="" xmlns:a14="http://schemas.microsoft.com/office/drawing/2010/main">
+              <a14:hiddenEffects xmlns:a14="http://schemas.microsoft.com/office/drawing/2010/main" xmlns="">
                 <a:effectLst>
                   <a:outerShdw dist="35921" dir="2700000" algn="ctr" rotWithShape="0">
                     <a:schemeClr val="bg2"/>
@@ -2186,14 +2186,14 @@
         <p:spPr>
           <a:extLst>
             <a:ext uri="{909E8E84-426E-40DD-AFC4-6F175D3DCCD1}">
-              <a14:hiddenFill xmlns="" xmlns:a14="http://schemas.microsoft.com/office/drawing/2010/main">
+              <a14:hiddenFill xmlns:a14="http://schemas.microsoft.com/office/drawing/2010/main" xmlns="">
                 <a:solidFill>
                   <a:schemeClr val="accent1"/>
                 </a:solidFill>
               </a14:hiddenFill>
             </a:ext>
             <a:ext uri="{91240B29-F687-4F45-9708-019B960494DF}">
-              <a14:hiddenLine xmlns="" xmlns:a14="http://schemas.microsoft.com/office/drawing/2010/main" w="9525">
+              <a14:hiddenLine xmlns:a14="http://schemas.microsoft.com/office/drawing/2010/main" xmlns="" w="9525">
                 <a:solidFill>
                   <a:schemeClr val="tx1"/>
                 </a:solidFill>
@@ -2203,7 +2203,7 @@
               </a14:hiddenLine>
             </a:ext>
             <a:ext uri="{AF507438-7753-43E0-B8FC-AC1667EBCBE1}">
-              <a14:hiddenEffects xmlns="" xmlns:a14="http://schemas.microsoft.com/office/drawing/2010/main">
+              <a14:hiddenEffects xmlns:a14="http://schemas.microsoft.com/office/drawing/2010/main" xmlns="">
                 <a:effectLst>
                   <a:outerShdw dist="35921" dir="2700000" algn="ctr" rotWithShape="0">
                     <a:schemeClr val="bg2"/>
@@ -2304,14 +2304,14 @@
         <p:spPr>
           <a:extLst>
             <a:ext uri="{909E8E84-426E-40DD-AFC4-6F175D3DCCD1}">
-              <a14:hiddenFill xmlns="" xmlns:a14="http://schemas.microsoft.com/office/drawing/2010/main">
+              <a14:hiddenFill xmlns:a14="http://schemas.microsoft.com/office/drawing/2010/main" xmlns="">
                 <a:solidFill>
                   <a:schemeClr val="accent1"/>
                 </a:solidFill>
               </a14:hiddenFill>
             </a:ext>
             <a:ext uri="{91240B29-F687-4F45-9708-019B960494DF}">
-              <a14:hiddenLine xmlns="" xmlns:a14="http://schemas.microsoft.com/office/drawing/2010/main" w="9525">
+              <a14:hiddenLine xmlns:a14="http://schemas.microsoft.com/office/drawing/2010/main" xmlns="" w="9525">
                 <a:solidFill>
                   <a:schemeClr val="tx1"/>
                 </a:solidFill>
@@ -2321,7 +2321,7 @@
               </a14:hiddenLine>
             </a:ext>
             <a:ext uri="{AF507438-7753-43E0-B8FC-AC1667EBCBE1}">
-              <a14:hiddenEffects xmlns="" xmlns:a14="http://schemas.microsoft.com/office/drawing/2010/main">
+              <a14:hiddenEffects xmlns:a14="http://schemas.microsoft.com/office/drawing/2010/main" xmlns="">
                 <a:effectLst>
                   <a:outerShdw dist="35921" dir="2700000" algn="ctr" rotWithShape="0">
                     <a:schemeClr val="bg2"/>
@@ -5320,7 +5320,7 @@
         <p:spPr bwMode="auto">
           <a:xfrm>
             <a:off x="304800" y="914400"/>
-            <a:ext cx="8839200" cy="3276600"/>
+            <a:ext cx="8839200" cy="4724400"/>
           </a:xfrm>
           <a:prstGeom prst="rect">
             <a:avLst/>
@@ -5441,7 +5441,114 @@
                 <a:ea typeface="+mj-ea"/>
                 <a:cs typeface="+mj-cs"/>
               </a:rPr>
-              <a:t>Internal presentation October 2013</a:t>
+              <a:t>Internal presentation October </a:t>
+            </a:r>
+            <a:r>
+              <a:rPr lang="en-US" sz="3600" kern="0" dirty="0" smtClean="0">
+                <a:latin typeface="+mj-lt"/>
+                <a:ea typeface="+mj-ea"/>
+                <a:cs typeface="+mj-cs"/>
+              </a:rPr>
+              <a:t>2013</a:t>
+            </a:r>
+          </a:p>
+          <a:p>
+            <a:pPr marL="0" marR="0" lvl="0" indent="0" algn="ctr" defTabSz="914400" rtl="0" eaLnBrk="1" fontAlgn="base" latinLnBrk="0" hangingPunct="1">
+              <a:lnSpc>
+                <a:spcPct val="100000"/>
+              </a:lnSpc>
+              <a:spcBef>
+                <a:spcPct val="0"/>
+              </a:spcBef>
+              <a:spcAft>
+                <a:spcPct val="0"/>
+              </a:spcAft>
+              <a:buClrTx/>
+              <a:buSzTx/>
+              <a:buFontTx/>
+              <a:buNone/>
+              <a:tabLst/>
+              <a:defRPr/>
+            </a:pPr>
+            <a:endParaRPr kumimoji="0" lang="en-US" sz="3600" b="0" i="0" u="none" strike="noStrike" kern="0" cap="none" spc="0" normalizeH="0" baseline="0" noProof="0" dirty="0" smtClean="0">
+              <a:ln>
+                <a:noFill/>
+              </a:ln>
+              <a:solidFill>
+                <a:schemeClr val="tx1"/>
+              </a:solidFill>
+              <a:effectLst/>
+              <a:uLnTx/>
+              <a:uFillTx/>
+              <a:latin typeface="+mj-lt"/>
+              <a:ea typeface="+mj-ea"/>
+              <a:cs typeface="+mj-cs"/>
+            </a:endParaRPr>
+          </a:p>
+          <a:p>
+            <a:pPr marL="0" marR="0" lvl="0" indent="0" algn="ctr" defTabSz="914400" rtl="0" eaLnBrk="1" fontAlgn="base" latinLnBrk="0" hangingPunct="1">
+              <a:lnSpc>
+                <a:spcPct val="100000"/>
+              </a:lnSpc>
+              <a:spcBef>
+                <a:spcPct val="0"/>
+              </a:spcBef>
+              <a:spcAft>
+                <a:spcPct val="0"/>
+              </a:spcAft>
+              <a:buClrTx/>
+              <a:buSzTx/>
+              <a:buFontTx/>
+              <a:buNone/>
+              <a:tabLst/>
+              <a:defRPr/>
+            </a:pPr>
+            <a:r>
+              <a:rPr lang="en-US" sz="3600" kern="0" dirty="0" smtClean="0">
+                <a:latin typeface="+mj-lt"/>
+                <a:ea typeface="+mj-ea"/>
+                <a:cs typeface="+mj-cs"/>
+              </a:rPr>
+              <a:t>Acknowledgements:</a:t>
+            </a:r>
+          </a:p>
+          <a:p>
+            <a:pPr lvl="0" algn="ctr" fontAlgn="base">
+              <a:spcBef>
+                <a:spcPct val="0"/>
+              </a:spcBef>
+              <a:spcAft>
+                <a:spcPct val="0"/>
+              </a:spcAft>
+              <a:defRPr/>
+            </a:pPr>
+            <a:r>
+              <a:rPr lang="en-US" sz="3600" kern="0" dirty="0" smtClean="0">
+                <a:latin typeface="+mj-lt"/>
+                <a:ea typeface="+mj-ea"/>
+                <a:cs typeface="+mj-cs"/>
+              </a:rPr>
+              <a:t>This presentation is </a:t>
+            </a:r>
+            <a:r>
+              <a:rPr lang="en-US" sz="3600" kern="0" dirty="0" smtClean="0">
+                <a:latin typeface="+mj-lt"/>
+                <a:ea typeface="+mj-ea"/>
+                <a:cs typeface="+mj-cs"/>
+              </a:rPr>
+              <a:t>could not be developed without the major help of </a:t>
+            </a:r>
+            <a:r>
+              <a:rPr lang="en-US" sz="3600" kern="0" dirty="0" smtClean="0">
+                <a:latin typeface="+mj-lt"/>
+                <a:ea typeface="+mj-ea"/>
+                <a:cs typeface="+mj-cs"/>
+              </a:rPr>
+              <a:t>Piyush Patel and Rolando </a:t>
+            </a:r>
+            <a:r>
+              <a:rPr lang="en-US" sz="3600" kern="0" dirty="0" smtClean="0"/>
+              <a:t>Asmat</a:t>
             </a:r>
             <a:endParaRPr kumimoji="0" lang="en-US" sz="3600" b="0" i="0" u="none" strike="noStrike" kern="0" cap="none" spc="0" normalizeH="0" baseline="0" noProof="0" dirty="0" smtClean="0">
               <a:ln>
@@ -5812,14 +5919,14 @@
         <p:spPr>
           <a:extLst>
             <a:ext uri="{909E8E84-426E-40DD-AFC4-6F175D3DCCD1}">
-              <a14:hiddenFill xmlns="" xmlns:a14="http://schemas.microsoft.com/office/drawing/2010/main">
+              <a14:hiddenFill xmlns:a14="http://schemas.microsoft.com/office/drawing/2010/main" xmlns="">
                 <a:solidFill>
                   <a:schemeClr val="accent1"/>
                 </a:solidFill>
               </a14:hiddenFill>
             </a:ext>
             <a:ext uri="{91240B29-F687-4F45-9708-019B960494DF}">
-              <a14:hiddenLine xmlns="" xmlns:a14="http://schemas.microsoft.com/office/drawing/2010/main" w="9525">
+              <a14:hiddenLine xmlns:a14="http://schemas.microsoft.com/office/drawing/2010/main" xmlns="" w="9525">
                 <a:solidFill>
                   <a:schemeClr val="tx1"/>
                 </a:solidFill>
@@ -5829,7 +5936,7 @@
               </a14:hiddenLine>
             </a:ext>
             <a:ext uri="{AF507438-7753-43E0-B8FC-AC1667EBCBE1}">
-              <a14:hiddenEffects xmlns="" xmlns:a14="http://schemas.microsoft.com/office/drawing/2010/main">
+              <a14:hiddenEffects xmlns:a14="http://schemas.microsoft.com/office/drawing/2010/main" xmlns="">
                 <a:effectLst>
                   <a:outerShdw dist="35921" dir="2700000" algn="ctr" rotWithShape="0">
                     <a:schemeClr val="bg2"/>
@@ -6032,11 +6139,7 @@
             </a:pPr>
             <a:r>
               <a:rPr lang="en-US" sz="1800" dirty="0" smtClean="0"/>
-              <a:t>To set priorities for resources, and at the same time, to </a:t>
-            </a:r>
-            <a:r>
-              <a:rPr lang="en-US" sz="1800" dirty="0" smtClean="0"/>
-              <a:t>ensure that a requester doesn’t use a resource of the C66x CorePac for too long.</a:t>
+              <a:t>To set priorities for resources, and at the same time, to ensure that a requester doesn’t use a resource of the C66x CorePac for too long.</a:t>
             </a:r>
           </a:p>
           <a:p>
@@ -6362,14 +6465,14 @@
         <p:spPr>
           <a:extLst>
             <a:ext uri="{909E8E84-426E-40DD-AFC4-6F175D3DCCD1}">
-              <a14:hiddenFill xmlns="" xmlns:a14="http://schemas.microsoft.com/office/drawing/2010/main">
+              <a14:hiddenFill xmlns:a14="http://schemas.microsoft.com/office/drawing/2010/main" xmlns="">
                 <a:solidFill>
                   <a:schemeClr val="accent1"/>
                 </a:solidFill>
               </a14:hiddenFill>
             </a:ext>
             <a:ext uri="{91240B29-F687-4F45-9708-019B960494DF}">
-              <a14:hiddenLine xmlns="" xmlns:a14="http://schemas.microsoft.com/office/drawing/2010/main" w="9525">
+              <a14:hiddenLine xmlns:a14="http://schemas.microsoft.com/office/drawing/2010/main" xmlns="" w="9525">
                 <a:solidFill>
                   <a:schemeClr val="tx1"/>
                 </a:solidFill>
@@ -6379,7 +6482,7 @@
               </a14:hiddenLine>
             </a:ext>
             <a:ext uri="{AF507438-7753-43E0-B8FC-AC1667EBCBE1}">
-              <a14:hiddenEffects xmlns="" xmlns:a14="http://schemas.microsoft.com/office/drawing/2010/main">
+              <a14:hiddenEffects xmlns:a14="http://schemas.microsoft.com/office/drawing/2010/main" xmlns="">
                 <a:effectLst>
                   <a:outerShdw dist="35921" dir="2700000" algn="ctr" rotWithShape="0">
                     <a:schemeClr val="bg2"/>
@@ -6591,7 +6694,6 @@
               <a:rPr lang="en-US" b="1" dirty="0" smtClean="0"/>
               <a:t>A word about Cache</a:t>
             </a:r>
-            <a:endParaRPr lang="en-US" b="1" dirty="0" smtClean="0"/>
           </a:p>
           <a:p>
             <a:pPr>
@@ -6617,27 +6719,11 @@
             </a:pPr>
             <a:r>
               <a:rPr lang="en-US" sz="2400" dirty="0" smtClean="0"/>
-              <a:t>Cache is configured using CSL functions. API </a:t>
-            </a:r>
-            <a:r>
-              <a:rPr lang="en-US" sz="2400" dirty="0" smtClean="0"/>
-              <a:t>are defined </a:t>
-            </a:r>
-            <a:r>
-              <a:rPr lang="en-US" sz="2400" dirty="0" smtClean="0"/>
-              <a:t>in csl_cache.h and csl_cachAux.h . These files are located in </a:t>
+              <a:t>Cache is configured using CSL functions. API are defined in csl_cache.h and csl_cachAux.h . These files are located in </a:t>
             </a:r>
             <a:r>
               <a:rPr lang="en-US" sz="2000" i="1" dirty="0" smtClean="0"/>
-              <a:t>C</a:t>
-            </a:r>
-            <a:r>
-              <a:rPr lang="en-US" sz="2000" i="1" dirty="0" smtClean="0"/>
-              <a:t>:\</a:t>
-            </a:r>
-            <a:r>
-              <a:rPr lang="en-US" sz="2000" i="1" dirty="0" smtClean="0"/>
-              <a:t>ti\MCSDK_3_01_12\pdk_keystone2_3_00_01_12\packages\ti\csl</a:t>
+              <a:t>C:\ti\MCSDK_3_01_12\pdk_keystone2_3_00_01_12\packages\ti\csl</a:t>
             </a:r>
           </a:p>
           <a:p>
@@ -6706,14 +6792,14 @@
         <p:spPr>
           <a:extLst>
             <a:ext uri="{909E8E84-426E-40DD-AFC4-6F175D3DCCD1}">
-              <a14:hiddenFill xmlns="" xmlns:a14="http://schemas.microsoft.com/office/drawing/2010/main">
+              <a14:hiddenFill xmlns:a14="http://schemas.microsoft.com/office/drawing/2010/main" xmlns="">
                 <a:solidFill>
                   <a:schemeClr val="accent1"/>
                 </a:solidFill>
               </a14:hiddenFill>
             </a:ext>
             <a:ext uri="{91240B29-F687-4F45-9708-019B960494DF}">
-              <a14:hiddenLine xmlns="" xmlns:a14="http://schemas.microsoft.com/office/drawing/2010/main" w="9525">
+              <a14:hiddenLine xmlns:a14="http://schemas.microsoft.com/office/drawing/2010/main" xmlns="" w="9525">
                 <a:solidFill>
                   <a:schemeClr val="tx1"/>
                 </a:solidFill>
@@ -6723,7 +6809,7 @@
               </a14:hiddenLine>
             </a:ext>
             <a:ext uri="{AF507438-7753-43E0-B8FC-AC1667EBCBE1}">
-              <a14:hiddenEffects xmlns="" xmlns:a14="http://schemas.microsoft.com/office/drawing/2010/main">
+              <a14:hiddenEffects xmlns:a14="http://schemas.microsoft.com/office/drawing/2010/main" xmlns="">
                 <a:effectLst>
                   <a:outerShdw dist="35921" dir="2700000" algn="ctr" rotWithShape="0">
                     <a:schemeClr val="bg2"/>
@@ -6977,14 +7063,14 @@
         <p:spPr>
           <a:extLst>
             <a:ext uri="{909E8E84-426E-40DD-AFC4-6F175D3DCCD1}">
-              <a14:hiddenFill xmlns="" xmlns:a14="http://schemas.microsoft.com/office/drawing/2010/main">
+              <a14:hiddenFill xmlns:a14="http://schemas.microsoft.com/office/drawing/2010/main" xmlns="">
                 <a:solidFill>
                   <a:schemeClr val="accent1"/>
                 </a:solidFill>
               </a14:hiddenFill>
             </a:ext>
             <a:ext uri="{91240B29-F687-4F45-9708-019B960494DF}">
-              <a14:hiddenLine xmlns="" xmlns:a14="http://schemas.microsoft.com/office/drawing/2010/main" w="9525">
+              <a14:hiddenLine xmlns:a14="http://schemas.microsoft.com/office/drawing/2010/main" xmlns="" w="9525">
                 <a:solidFill>
                   <a:schemeClr val="tx1"/>
                 </a:solidFill>
@@ -6994,7 +7080,7 @@
               </a14:hiddenLine>
             </a:ext>
             <a:ext uri="{AF507438-7753-43E0-B8FC-AC1667EBCBE1}">
-              <a14:hiddenEffects xmlns="" xmlns:a14="http://schemas.microsoft.com/office/drawing/2010/main">
+              <a14:hiddenEffects xmlns:a14="http://schemas.microsoft.com/office/drawing/2010/main" xmlns="">
                 <a:effectLst>
                   <a:outerShdw dist="35921" dir="2700000" algn="ctr" rotWithShape="0">
                     <a:schemeClr val="bg2"/>
@@ -7413,14 +7499,14 @@
         <p:spPr>
           <a:extLst>
             <a:ext uri="{909E8E84-426E-40DD-AFC4-6F175D3DCCD1}">
-              <a14:hiddenFill xmlns="" xmlns:a14="http://schemas.microsoft.com/office/drawing/2010/main">
+              <a14:hiddenFill xmlns:a14="http://schemas.microsoft.com/office/drawing/2010/main" xmlns="">
                 <a:solidFill>
                   <a:schemeClr val="accent1"/>
                 </a:solidFill>
               </a14:hiddenFill>
             </a:ext>
             <a:ext uri="{91240B29-F687-4F45-9708-019B960494DF}">
-              <a14:hiddenLine xmlns="" xmlns:a14="http://schemas.microsoft.com/office/drawing/2010/main" w="9525">
+              <a14:hiddenLine xmlns:a14="http://schemas.microsoft.com/office/drawing/2010/main" xmlns="" w="9525">
                 <a:solidFill>
                   <a:schemeClr val="tx1"/>
                 </a:solidFill>
@@ -7430,7 +7516,7 @@
               </a14:hiddenLine>
             </a:ext>
             <a:ext uri="{AF507438-7753-43E0-B8FC-AC1667EBCBE1}">
-              <a14:hiddenEffects xmlns="" xmlns:a14="http://schemas.microsoft.com/office/drawing/2010/main">
+              <a14:hiddenEffects xmlns:a14="http://schemas.microsoft.com/office/drawing/2010/main" xmlns="">
                 <a:effectLst>
                   <a:outerShdw dist="35921" dir="2700000" algn="ctr" rotWithShape="0">
                     <a:schemeClr val="bg2"/>
@@ -7648,14 +7734,14 @@
         <p:spPr>
           <a:extLst>
             <a:ext uri="{909E8E84-426E-40DD-AFC4-6F175D3DCCD1}">
-              <a14:hiddenFill xmlns="" xmlns:a14="http://schemas.microsoft.com/office/drawing/2010/main">
+              <a14:hiddenFill xmlns:a14="http://schemas.microsoft.com/office/drawing/2010/main" xmlns="">
                 <a:solidFill>
                   <a:schemeClr val="accent1"/>
                 </a:solidFill>
               </a14:hiddenFill>
             </a:ext>
             <a:ext uri="{91240B29-F687-4F45-9708-019B960494DF}">
-              <a14:hiddenLine xmlns="" xmlns:a14="http://schemas.microsoft.com/office/drawing/2010/main" w="9525">
+              <a14:hiddenLine xmlns:a14="http://schemas.microsoft.com/office/drawing/2010/main" xmlns="" w="9525">
                 <a:solidFill>
                   <a:schemeClr val="tx1"/>
                 </a:solidFill>
@@ -7665,7 +7751,7 @@
               </a14:hiddenLine>
             </a:ext>
             <a:ext uri="{AF507438-7753-43E0-B8FC-AC1667EBCBE1}">
-              <a14:hiddenEffects xmlns="" xmlns:a14="http://schemas.microsoft.com/office/drawing/2010/main">
+              <a14:hiddenEffects xmlns:a14="http://schemas.microsoft.com/office/drawing/2010/main" xmlns="">
                 <a:effectLst>
                   <a:outerShdw dist="35921" dir="2700000" algn="ctr" rotWithShape="0">
                     <a:schemeClr val="bg2"/>
@@ -7952,7 +8038,6 @@
               <a:rPr lang="en-US" dirty="0" smtClean="0"/>
               <a:t>Cache coherency operations:</a:t>
             </a:r>
-            <a:endParaRPr lang="en-US" dirty="0" smtClean="0"/>
           </a:p>
           <a:p>
             <a:pPr lvl="1">
@@ -7994,14 +8079,14 @@
         <p:spPr>
           <a:extLst>
             <a:ext uri="{909E8E84-426E-40DD-AFC4-6F175D3DCCD1}">
-              <a14:hiddenFill xmlns="" xmlns:a14="http://schemas.microsoft.com/office/drawing/2010/main">
+              <a14:hiddenFill xmlns:a14="http://schemas.microsoft.com/office/drawing/2010/main" xmlns="">
                 <a:solidFill>
                   <a:schemeClr val="accent1"/>
                 </a:solidFill>
               </a14:hiddenFill>
             </a:ext>
             <a:ext uri="{91240B29-F687-4F45-9708-019B960494DF}">
-              <a14:hiddenLine xmlns="" xmlns:a14="http://schemas.microsoft.com/office/drawing/2010/main" w="9525">
+              <a14:hiddenLine xmlns:a14="http://schemas.microsoft.com/office/drawing/2010/main" xmlns="" w="9525">
                 <a:solidFill>
                   <a:schemeClr val="tx1"/>
                 </a:solidFill>
@@ -8011,7 +8096,7 @@
               </a14:hiddenLine>
             </a:ext>
             <a:ext uri="{AF507438-7753-43E0-B8FC-AC1667EBCBE1}">
-              <a14:hiddenEffects xmlns="" xmlns:a14="http://schemas.microsoft.com/office/drawing/2010/main">
+              <a14:hiddenEffects xmlns:a14="http://schemas.microsoft.com/office/drawing/2010/main" xmlns="">
                 <a:effectLst>
                   <a:outerShdw dist="35921" dir="2700000" algn="ctr" rotWithShape="0">
                     <a:schemeClr val="bg2"/>
@@ -8361,14 +8446,14 @@
         <p:spPr>
           <a:extLst>
             <a:ext uri="{909E8E84-426E-40DD-AFC4-6F175D3DCCD1}">
-              <a14:hiddenFill xmlns="" xmlns:a14="http://schemas.microsoft.com/office/drawing/2010/main">
+              <a14:hiddenFill xmlns:a14="http://schemas.microsoft.com/office/drawing/2010/main" xmlns="">
                 <a:solidFill>
                   <a:schemeClr val="accent1"/>
                 </a:solidFill>
               </a14:hiddenFill>
             </a:ext>
             <a:ext uri="{91240B29-F687-4F45-9708-019B960494DF}">
-              <a14:hiddenLine xmlns="" xmlns:a14="http://schemas.microsoft.com/office/drawing/2010/main" w="9525">
+              <a14:hiddenLine xmlns:a14="http://schemas.microsoft.com/office/drawing/2010/main" xmlns="" w="9525">
                 <a:solidFill>
                   <a:schemeClr val="tx1"/>
                 </a:solidFill>
@@ -8378,7 +8463,7 @@
               </a14:hiddenLine>
             </a:ext>
             <a:ext uri="{AF507438-7753-43E0-B8FC-AC1667EBCBE1}">
-              <a14:hiddenEffects xmlns="" xmlns:a14="http://schemas.microsoft.com/office/drawing/2010/main">
+              <a14:hiddenEffects xmlns:a14="http://schemas.microsoft.com/office/drawing/2010/main" xmlns="">
                 <a:effectLst>
                   <a:outerShdw dist="35921" dir="2700000" algn="ctr" rotWithShape="0">
                     <a:schemeClr val="bg2"/>
@@ -8491,7 +8576,6 @@
               <a:rPr lang="en-US" dirty="0" smtClean="0"/>
               <a:t>External master</a:t>
             </a:r>
-            <a:endParaRPr lang="en-US" dirty="0" smtClean="0"/>
           </a:p>
           <a:p>
             <a:pPr>
@@ -8527,14 +8611,14 @@
         <p:spPr>
           <a:extLst>
             <a:ext uri="{909E8E84-426E-40DD-AFC4-6F175D3DCCD1}">
-              <a14:hiddenFill xmlns="" xmlns:a14="http://schemas.microsoft.com/office/drawing/2010/main">
+              <a14:hiddenFill xmlns:a14="http://schemas.microsoft.com/office/drawing/2010/main" xmlns="">
                 <a:solidFill>
                   <a:schemeClr val="accent1"/>
                 </a:solidFill>
               </a14:hiddenFill>
             </a:ext>
             <a:ext uri="{91240B29-F687-4F45-9708-019B960494DF}">
-              <a14:hiddenLine xmlns="" xmlns:a14="http://schemas.microsoft.com/office/drawing/2010/main" w="9525">
+              <a14:hiddenLine xmlns:a14="http://schemas.microsoft.com/office/drawing/2010/main" xmlns="" w="9525">
                 <a:solidFill>
                   <a:schemeClr val="tx1"/>
                 </a:solidFill>
@@ -8544,7 +8628,7 @@
               </a14:hiddenLine>
             </a:ext>
             <a:ext uri="{AF507438-7753-43E0-B8FC-AC1667EBCBE1}">
-              <a14:hiddenEffects xmlns="" xmlns:a14="http://schemas.microsoft.com/office/drawing/2010/main">
+              <a14:hiddenEffects xmlns:a14="http://schemas.microsoft.com/office/drawing/2010/main" xmlns="">
                 <a:effectLst>
                   <a:outerShdw dist="35921" dir="2700000" algn="ctr" rotWithShape="0">
                     <a:schemeClr val="bg2"/>
@@ -8945,7 +9029,6 @@
               <a:rPr lang="en-US" sz="3600" dirty="0" smtClean="0"/>
               <a:t>EDMA Priority scheme</a:t>
             </a:r>
-            <a:endParaRPr lang="en-US" sz="3600" dirty="0" smtClean="0"/>
           </a:p>
         </p:txBody>
       </p:sp>
@@ -8998,15 +9081,7 @@
             </a:r>
             <a:r>
               <a:rPr lang="en-US" sz="2000" i="1" dirty="0" smtClean="0"/>
-              <a:t> </a:t>
-            </a:r>
-            <a:r>
-              <a:rPr lang="en-US" sz="2000" i="1" dirty="0" smtClean="0"/>
-              <a:t>SPRUGS5A—December </a:t>
-            </a:r>
-            <a:r>
-              <a:rPr lang="en-US" sz="2000" i="1" dirty="0" smtClean="0"/>
-              <a:t>2011</a:t>
+              <a:t> SPRUGS5A—December 2011</a:t>
             </a:r>
           </a:p>
           <a:p>
@@ -9052,14 +9127,14 @@
         <p:spPr>
           <a:extLst>
             <a:ext uri="{909E8E84-426E-40DD-AFC4-6F175D3DCCD1}">
-              <a14:hiddenFill xmlns="" xmlns:a14="http://schemas.microsoft.com/office/drawing/2010/main">
+              <a14:hiddenFill xmlns:a14="http://schemas.microsoft.com/office/drawing/2010/main" xmlns="">
                 <a:solidFill>
                   <a:schemeClr val="accent1"/>
                 </a:solidFill>
               </a14:hiddenFill>
             </a:ext>
             <a:ext uri="{91240B29-F687-4F45-9708-019B960494DF}">
-              <a14:hiddenLine xmlns="" xmlns:a14="http://schemas.microsoft.com/office/drawing/2010/main" w="9525">
+              <a14:hiddenLine xmlns:a14="http://schemas.microsoft.com/office/drawing/2010/main" xmlns="" w="9525">
                 <a:solidFill>
                   <a:schemeClr val="tx1"/>
                 </a:solidFill>
@@ -9069,7 +9144,7 @@
               </a14:hiddenLine>
             </a:ext>
             <a:ext uri="{AF507438-7753-43E0-B8FC-AC1667EBCBE1}">
-              <a14:hiddenEffects xmlns="" xmlns:a14="http://schemas.microsoft.com/office/drawing/2010/main">
+              <a14:hiddenEffects xmlns:a14="http://schemas.microsoft.com/office/drawing/2010/main" xmlns="">
                 <a:effectLst>
                   <a:outerShdw dist="35921" dir="2700000" algn="ctr" rotWithShape="0">
                     <a:schemeClr val="bg2"/>
@@ -9174,14 +9249,14 @@
         <p:spPr>
           <a:extLst>
             <a:ext uri="{909E8E84-426E-40DD-AFC4-6F175D3DCCD1}">
-              <a14:hiddenFill xmlns="" xmlns:a14="http://schemas.microsoft.com/office/drawing/2010/main">
+              <a14:hiddenFill xmlns:a14="http://schemas.microsoft.com/office/drawing/2010/main" xmlns="">
                 <a:solidFill>
                   <a:schemeClr val="accent1"/>
                 </a:solidFill>
               </a14:hiddenFill>
             </a:ext>
             <a:ext uri="{91240B29-F687-4F45-9708-019B960494DF}">
-              <a14:hiddenLine xmlns="" xmlns:a14="http://schemas.microsoft.com/office/drawing/2010/main" w="9525">
+              <a14:hiddenLine xmlns:a14="http://schemas.microsoft.com/office/drawing/2010/main" xmlns="" w="9525">
                 <a:solidFill>
                   <a:schemeClr val="tx1"/>
                 </a:solidFill>
@@ -9191,7 +9266,7 @@
               </a14:hiddenLine>
             </a:ext>
             <a:ext uri="{AF507438-7753-43E0-B8FC-AC1667EBCBE1}">
-              <a14:hiddenEffects xmlns="" xmlns:a14="http://schemas.microsoft.com/office/drawing/2010/main">
+              <a14:hiddenEffects xmlns:a14="http://schemas.microsoft.com/office/drawing/2010/main" xmlns="">
                 <a:effectLst>
                   <a:outerShdw dist="35921" dir="2700000" algn="ctr" rotWithShape="0">
                     <a:schemeClr val="bg2"/>
@@ -9309,7 +9384,6 @@
               <a:rPr lang="en-US" sz="3600" dirty="0" smtClean="0"/>
               <a:t>Channel Controller</a:t>
             </a:r>
-            <a:endParaRPr lang="en-US" sz="3600" dirty="0" smtClean="0"/>
           </a:p>
         </p:txBody>
       </p:sp>
@@ -9326,14 +9400,14 @@
         <p:spPr>
           <a:extLst>
             <a:ext uri="{909E8E84-426E-40DD-AFC4-6F175D3DCCD1}">
-              <a14:hiddenFill xmlns="" xmlns:a14="http://schemas.microsoft.com/office/drawing/2010/main">
+              <a14:hiddenFill xmlns:a14="http://schemas.microsoft.com/office/drawing/2010/main" xmlns="">
                 <a:solidFill>
                   <a:schemeClr val="accent1"/>
                 </a:solidFill>
               </a14:hiddenFill>
             </a:ext>
             <a:ext uri="{91240B29-F687-4F45-9708-019B960494DF}">
-              <a14:hiddenLine xmlns="" xmlns:a14="http://schemas.microsoft.com/office/drawing/2010/main" w="9525">
+              <a14:hiddenLine xmlns:a14="http://schemas.microsoft.com/office/drawing/2010/main" xmlns="" w="9525">
                 <a:solidFill>
                   <a:schemeClr val="tx1"/>
                 </a:solidFill>
@@ -9343,7 +9417,7 @@
               </a14:hiddenLine>
             </a:ext>
             <a:ext uri="{AF507438-7753-43E0-B8FC-AC1667EBCBE1}">
-              <a14:hiddenEffects xmlns="" xmlns:a14="http://schemas.microsoft.com/office/drawing/2010/main">
+              <a14:hiddenEffects xmlns:a14="http://schemas.microsoft.com/office/drawing/2010/main" xmlns="">
                 <a:effectLst>
                   <a:outerShdw dist="35921" dir="2700000" algn="ctr" rotWithShape="0">
                     <a:schemeClr val="bg2"/>
@@ -9429,7 +9503,6 @@
               <a:rPr lang="en-US" sz="3600" dirty="0" smtClean="0"/>
               <a:t>EDMA Priorities</a:t>
             </a:r>
-            <a:endParaRPr lang="en-US" sz="3600" dirty="0" smtClean="0"/>
           </a:p>
         </p:txBody>
       </p:sp>
@@ -9543,7 +9616,6 @@
               <a:rPr lang="en-US" sz="2400" dirty="0" smtClean="0"/>
               <a:t>All other TC – 8 bytes default</a:t>
             </a:r>
-            <a:endParaRPr lang="en-US" sz="2400" dirty="0" smtClean="0"/>
           </a:p>
           <a:p>
             <a:pPr lvl="1">
@@ -9566,14 +9638,14 @@
         <p:spPr>
           <a:extLst>
             <a:ext uri="{909E8E84-426E-40DD-AFC4-6F175D3DCCD1}">
-              <a14:hiddenFill xmlns="" xmlns:a14="http://schemas.microsoft.com/office/drawing/2010/main">
+              <a14:hiddenFill xmlns:a14="http://schemas.microsoft.com/office/drawing/2010/main" xmlns="">
                 <a:solidFill>
                   <a:schemeClr val="accent1"/>
                 </a:solidFill>
               </a14:hiddenFill>
             </a:ext>
             <a:ext uri="{91240B29-F687-4F45-9708-019B960494DF}">
-              <a14:hiddenLine xmlns="" xmlns:a14="http://schemas.microsoft.com/office/drawing/2010/main" w="9525">
+              <a14:hiddenLine xmlns:a14="http://schemas.microsoft.com/office/drawing/2010/main" xmlns="" w="9525">
                 <a:solidFill>
                   <a:schemeClr val="tx1"/>
                 </a:solidFill>
@@ -9583,7 +9655,7 @@
               </a14:hiddenLine>
             </a:ext>
             <a:ext uri="{AF507438-7753-43E0-B8FC-AC1667EBCBE1}">
-              <a14:hiddenEffects xmlns="" xmlns:a14="http://schemas.microsoft.com/office/drawing/2010/main">
+              <a14:hiddenEffects xmlns:a14="http://schemas.microsoft.com/office/drawing/2010/main" xmlns="">
                 <a:effectLst>
                   <a:outerShdw dist="35921" dir="2700000" algn="ctr" rotWithShape="0">
                     <a:schemeClr val="bg2"/>
@@ -9669,7 +9741,6 @@
               <a:rPr lang="en-US" sz="3600" dirty="0" smtClean="0"/>
               <a:t>Core MSMC and DDR priorities</a:t>
             </a:r>
-            <a:endParaRPr lang="en-US" sz="3600" dirty="0" smtClean="0"/>
           </a:p>
         </p:txBody>
       </p:sp>
@@ -9751,14 +9822,14 @@
         <p:spPr>
           <a:extLst>
             <a:ext uri="{909E8E84-426E-40DD-AFC4-6F175D3DCCD1}">
-              <a14:hiddenFill xmlns="" xmlns:a14="http://schemas.microsoft.com/office/drawing/2010/main">
+              <a14:hiddenFill xmlns:a14="http://schemas.microsoft.com/office/drawing/2010/main" xmlns="">
                 <a:solidFill>
                   <a:schemeClr val="accent1"/>
                 </a:solidFill>
               </a14:hiddenFill>
             </a:ext>
             <a:ext uri="{91240B29-F687-4F45-9708-019B960494DF}">
-              <a14:hiddenLine xmlns="" xmlns:a14="http://schemas.microsoft.com/office/drawing/2010/main" w="9525">
+              <a14:hiddenLine xmlns:a14="http://schemas.microsoft.com/office/drawing/2010/main" xmlns="" w="9525">
                 <a:solidFill>
                   <a:schemeClr val="tx1"/>
                 </a:solidFill>
@@ -9768,7 +9839,7 @@
               </a14:hiddenLine>
             </a:ext>
             <a:ext uri="{AF507438-7753-43E0-B8FC-AC1667EBCBE1}">
-              <a14:hiddenEffects xmlns="" xmlns:a14="http://schemas.microsoft.com/office/drawing/2010/main">
+              <a14:hiddenEffects xmlns:a14="http://schemas.microsoft.com/office/drawing/2010/main" xmlns="">
                 <a:effectLst>
                   <a:outerShdw dist="35921" dir="2700000" algn="ctr" rotWithShape="0">
                     <a:schemeClr val="bg2"/>
@@ -10041,7 +10112,6 @@
               <a:rPr lang="en-US" sz="3600" dirty="0" smtClean="0"/>
               <a:t>MSMC Starvation Control</a:t>
             </a:r>
-            <a:endParaRPr lang="en-US" sz="3600" dirty="0" smtClean="0"/>
           </a:p>
         </p:txBody>
       </p:sp>
@@ -10274,7 +10344,6 @@
               <a:rPr lang="en-US" sz="3600" dirty="0" smtClean="0"/>
               <a:t>Level 1 – Arbitration at MSMC controller </a:t>
             </a:r>
-            <a:endParaRPr lang="en-US" sz="3600" dirty="0" smtClean="0"/>
           </a:p>
         </p:txBody>
       </p:sp>
@@ -10323,31 +10392,7 @@
             </a:pPr>
             <a:r>
               <a:rPr lang="en-US" sz="2800" dirty="0" smtClean="0"/>
-              <a:t>8 </a:t>
-            </a:r>
-            <a:r>
-              <a:rPr lang="en-US" sz="2800" dirty="0" smtClean="0"/>
-              <a:t>registers, one for each core, </a:t>
-            </a:r>
-            <a:r>
-              <a:rPr lang="en-US" sz="2800" dirty="0" smtClean="0"/>
-              <a:t>one </a:t>
-            </a:r>
-            <a:r>
-              <a:rPr lang="en-US" sz="2800" dirty="0" smtClean="0"/>
-              <a:t>for </a:t>
-            </a:r>
-            <a:r>
-              <a:rPr lang="en-US" sz="2800" dirty="0" smtClean="0"/>
-              <a:t>SES </a:t>
-            </a:r>
-            <a:r>
-              <a:rPr lang="en-US" sz="2800" dirty="0" smtClean="0"/>
-              <a:t>from the </a:t>
-            </a:r>
-            <a:r>
-              <a:rPr lang="en-US" sz="2800" dirty="0" smtClean="0"/>
-              <a:t>Teranet. Values are multiply by 16 for the DDR</a:t>
+              <a:t>8 registers, one for each core, one for SES from the Teranet. Values are multiply by 16 for the DDR</a:t>
             </a:r>
           </a:p>
           <a:p>
@@ -10358,7 +10403,6 @@
               <a:rPr lang="en-US" sz="2800" dirty="0" smtClean="0"/>
               <a:t>DDR starvation range from 0 to 255 X 16 = 4080 MSMC cycles = 8160 DSP cycles</a:t>
             </a:r>
-            <a:endParaRPr lang="en-US" sz="2800" dirty="0" smtClean="0"/>
           </a:p>
           <a:p>
             <a:pPr>
@@ -10417,14 +10461,14 @@
         <p:spPr>
           <a:extLst>
             <a:ext uri="{909E8E84-426E-40DD-AFC4-6F175D3DCCD1}">
-              <a14:hiddenFill xmlns="" xmlns:a14="http://schemas.microsoft.com/office/drawing/2010/main">
+              <a14:hiddenFill xmlns:a14="http://schemas.microsoft.com/office/drawing/2010/main" xmlns="">
                 <a:solidFill>
                   <a:schemeClr val="accent1"/>
                 </a:solidFill>
               </a14:hiddenFill>
             </a:ext>
             <a:ext uri="{91240B29-F687-4F45-9708-019B960494DF}">
-              <a14:hiddenLine xmlns="" xmlns:a14="http://schemas.microsoft.com/office/drawing/2010/main" w="9525">
+              <a14:hiddenLine xmlns:a14="http://schemas.microsoft.com/office/drawing/2010/main" xmlns="" w="9525">
                 <a:solidFill>
                   <a:schemeClr val="tx1"/>
                 </a:solidFill>
@@ -10434,7 +10478,7 @@
               </a14:hiddenLine>
             </a:ext>
             <a:ext uri="{AF507438-7753-43E0-B8FC-AC1667EBCBE1}">
-              <a14:hiddenEffects xmlns="" xmlns:a14="http://schemas.microsoft.com/office/drawing/2010/main">
+              <a14:hiddenEffects xmlns:a14="http://schemas.microsoft.com/office/drawing/2010/main" xmlns="">
                 <a:effectLst>
                   <a:outerShdw dist="35921" dir="2700000" algn="ctr" rotWithShape="0">
                     <a:schemeClr val="bg2"/>
@@ -10515,7 +10559,6 @@
               <a:rPr lang="en-US" sz="3600" dirty="0" smtClean="0"/>
               <a:t>Level 2 DDR Arbitration</a:t>
             </a:r>
-            <a:endParaRPr lang="en-US" sz="3600" dirty="0" smtClean="0"/>
           </a:p>
         </p:txBody>
       </p:sp>
@@ -10539,11 +10582,7 @@
             <a:pPr marL="0" indent="0"/>
             <a:r>
               <a:rPr lang="en-US" sz="2000" dirty="0" smtClean="0"/>
-              <a:t>The </a:t>
-            </a:r>
-            <a:r>
-              <a:rPr lang="en-US" sz="2000" dirty="0" smtClean="0"/>
-              <a:t>DDR3 memory controller performs command reordering and scheduling. Command reordering takes place within the </a:t>
+              <a:t>The DDR3 memory controller performs command reordering and scheduling. Command reordering takes place within the </a:t>
             </a:r>
             <a:r>
               <a:rPr lang="en-US" sz="2000" b="1" dirty="0" smtClean="0"/>
@@ -10603,14 +10642,14 @@
         <p:spPr>
           <a:extLst>
             <a:ext uri="{909E8E84-426E-40DD-AFC4-6F175D3DCCD1}">
-              <a14:hiddenFill xmlns:a14="http://schemas.microsoft.com/office/drawing/2010/main" xmlns="">
+              <a14:hiddenFill xmlns="" xmlns:a14="http://schemas.microsoft.com/office/drawing/2010/main">
                 <a:solidFill>
                   <a:schemeClr val="accent1"/>
                 </a:solidFill>
               </a14:hiddenFill>
             </a:ext>
             <a:ext uri="{91240B29-F687-4F45-9708-019B960494DF}">
-              <a14:hiddenLine xmlns:a14="http://schemas.microsoft.com/office/drawing/2010/main" xmlns="" w="9525">
+              <a14:hiddenLine xmlns="" xmlns:a14="http://schemas.microsoft.com/office/drawing/2010/main" w="9525">
                 <a:solidFill>
                   <a:schemeClr val="tx1"/>
                 </a:solidFill>
@@ -10620,7 +10659,7 @@
               </a14:hiddenLine>
             </a:ext>
             <a:ext uri="{AF507438-7753-43E0-B8FC-AC1667EBCBE1}">
-              <a14:hiddenEffects xmlns:a14="http://schemas.microsoft.com/office/drawing/2010/main" xmlns="">
+              <a14:hiddenEffects xmlns="" xmlns:a14="http://schemas.microsoft.com/office/drawing/2010/main">
                 <a:effectLst>
                   <a:outerShdw dist="35921" dir="2700000" algn="ctr" rotWithShape="0">
                     <a:schemeClr val="bg2"/>
@@ -10854,14 +10893,14 @@
         <p:spPr>
           <a:extLst>
             <a:ext uri="{909E8E84-426E-40DD-AFC4-6F175D3DCCD1}">
-              <a14:hiddenFill xmlns:a14="http://schemas.microsoft.com/office/drawing/2010/main" xmlns="">
+              <a14:hiddenFill xmlns="" xmlns:a14="http://schemas.microsoft.com/office/drawing/2010/main">
                 <a:solidFill>
                   <a:schemeClr val="accent1"/>
                 </a:solidFill>
               </a14:hiddenFill>
             </a:ext>
             <a:ext uri="{91240B29-F687-4F45-9708-019B960494DF}">
-              <a14:hiddenLine xmlns:a14="http://schemas.microsoft.com/office/drawing/2010/main" xmlns="" w="9525">
+              <a14:hiddenLine xmlns="" xmlns:a14="http://schemas.microsoft.com/office/drawing/2010/main" w="9525">
                 <a:solidFill>
                   <a:schemeClr val="tx1"/>
                 </a:solidFill>
@@ -10871,7 +10910,7 @@
               </a14:hiddenLine>
             </a:ext>
             <a:ext uri="{AF507438-7753-43E0-B8FC-AC1667EBCBE1}">
-              <a14:hiddenEffects xmlns:a14="http://schemas.microsoft.com/office/drawing/2010/main" xmlns="">
+              <a14:hiddenEffects xmlns="" xmlns:a14="http://schemas.microsoft.com/office/drawing/2010/main">
                 <a:effectLst>
                   <a:outerShdw dist="35921" dir="2700000" algn="ctr" rotWithShape="0">
                     <a:schemeClr val="bg2"/>
@@ -11116,15 +11155,7 @@
                   <a:srgbClr val="000000"/>
                 </a:solidFill>
               </a:rPr>
-              <a:t> class of service. In conjunction with the masks, each class of service can have a maximum of 144 master IDs mapped to it. For example, a master ID value of 0xFF along with a mask value of 0x3 will map all master IDs from 0xF8 to 0xFF to that particular class of service. By default all commands will be mapped to class of service 2</a:t>
-            </a:r>
-            <a:r>
-              <a:rPr lang="en-US" sz="2000" dirty="0" smtClean="0">
-                <a:solidFill>
-                  <a:srgbClr val="000000"/>
-                </a:solidFill>
-              </a:rPr>
-              <a:t>.</a:t>
+              <a:t> class of service. In conjunction with the masks, each class of service can have a maximum of 144 master IDs mapped to it. For example, a master ID value of 0xFF along with a mask value of 0x3 will map all master IDs from 0xF8 to 0xFF to that particular class of service. By default all commands will be mapped to class of service 2.</a:t>
             </a:r>
           </a:p>
           <a:p>
@@ -11136,11 +11167,6 @@
               </a:rPr>
               <a:t>Registers description is in the next slide</a:t>
             </a:r>
-            <a:endParaRPr lang="en-US" sz="2000" dirty="0" smtClean="0">
-              <a:solidFill>
-                <a:srgbClr val="000000"/>
-              </a:solidFill>
-            </a:endParaRPr>
           </a:p>
           <a:p>
             <a:endParaRPr lang="en-US" sz="1200" dirty="0" smtClean="0">
@@ -11209,14 +11235,14 @@
         <p:spPr>
           <a:extLst>
             <a:ext uri="{909E8E84-426E-40DD-AFC4-6F175D3DCCD1}">
-              <a14:hiddenFill xmlns:a14="http://schemas.microsoft.com/office/drawing/2010/main" xmlns="">
+              <a14:hiddenFill xmlns="" xmlns:a14="http://schemas.microsoft.com/office/drawing/2010/main">
                 <a:solidFill>
                   <a:schemeClr val="accent1"/>
                 </a:solidFill>
               </a14:hiddenFill>
             </a:ext>
             <a:ext uri="{91240B29-F687-4F45-9708-019B960494DF}">
-              <a14:hiddenLine xmlns:a14="http://schemas.microsoft.com/office/drawing/2010/main" xmlns="" w="9525">
+              <a14:hiddenLine xmlns="" xmlns:a14="http://schemas.microsoft.com/office/drawing/2010/main" w="9525">
                 <a:solidFill>
                   <a:schemeClr val="tx1"/>
                 </a:solidFill>
@@ -11226,7 +11252,7 @@
               </a14:hiddenLine>
             </a:ext>
             <a:ext uri="{AF507438-7753-43E0-B8FC-AC1667EBCBE1}">
-              <a14:hiddenEffects xmlns:a14="http://schemas.microsoft.com/office/drawing/2010/main" xmlns="">
+              <a14:hiddenEffects xmlns="" xmlns:a14="http://schemas.microsoft.com/office/drawing/2010/main">
                 <a:effectLst>
                   <a:outerShdw dist="35921" dir="2700000" algn="ctr" rotWithShape="0">
                     <a:schemeClr val="bg2"/>
@@ -11325,14 +11351,14 @@
         <p:spPr>
           <a:extLst>
             <a:ext uri="{909E8E84-426E-40DD-AFC4-6F175D3DCCD1}">
-              <a14:hiddenFill xmlns:a14="http://schemas.microsoft.com/office/drawing/2010/main" xmlns="">
+              <a14:hiddenFill xmlns="" xmlns:a14="http://schemas.microsoft.com/office/drawing/2010/main">
                 <a:solidFill>
                   <a:schemeClr val="accent1"/>
                 </a:solidFill>
               </a14:hiddenFill>
             </a:ext>
             <a:ext uri="{91240B29-F687-4F45-9708-019B960494DF}">
-              <a14:hiddenLine xmlns:a14="http://schemas.microsoft.com/office/drawing/2010/main" xmlns="" w="9525">
+              <a14:hiddenLine xmlns="" xmlns:a14="http://schemas.microsoft.com/office/drawing/2010/main" w="9525">
                 <a:solidFill>
                   <a:schemeClr val="tx1"/>
                 </a:solidFill>
@@ -11342,7 +11368,7 @@
               </a14:hiddenLine>
             </a:ext>
             <a:ext uri="{AF507438-7753-43E0-B8FC-AC1667EBCBE1}">
-              <a14:hiddenEffects xmlns:a14="http://schemas.microsoft.com/office/drawing/2010/main" xmlns="">
+              <a14:hiddenEffects xmlns="" xmlns:a14="http://schemas.microsoft.com/office/drawing/2010/main">
                 <a:effectLst>
                   <a:outerShdw dist="35921" dir="2700000" algn="ctr" rotWithShape="0">
                     <a:schemeClr val="bg2"/>
@@ -11539,15 +11565,7 @@
                   <a:srgbClr val="000000"/>
                 </a:solidFill>
               </a:rPr>
-              <a:t>When the latency counter for a command expires, i.e., reaches the value programmed for the class of service that the command belongs to, that command will be the one that is executed next. If there is more that one command that has expired latency counters, the command with the highest priority will be executed first. </a:t>
-            </a:r>
-            <a:r>
-              <a:rPr lang="en-US" sz="2000" dirty="0">
-                <a:solidFill>
-                  <a:srgbClr val="000000"/>
-                </a:solidFill>
-              </a:rPr>
-              <a:t>One exception to this rule is as follows: if any of the commands with the expired latency counters is also the oldest command in the queue, that command will be executed first irrespective of priority. </a:t>
+              <a:t>When the latency counter for a command expires, i.e., reaches the value programmed for the class of service that the command belongs to, that command will be the one that is executed next. If there is more that one command that has expired latency counters, the command with the highest priority will be executed first. One exception to this rule is as follows: if any of the commands with the expired latency counters is also the oldest command in the queue, that command will be executed first irrespective of priority. </a:t>
             </a:r>
             <a:endParaRPr lang="en-US" sz="2000" dirty="0" smtClean="0">
               <a:solidFill>
@@ -11596,14 +11614,14 @@
         <p:spPr>
           <a:extLst>
             <a:ext uri="{909E8E84-426E-40DD-AFC4-6F175D3DCCD1}">
-              <a14:hiddenFill xmlns:a14="http://schemas.microsoft.com/office/drawing/2010/main" xmlns="">
+              <a14:hiddenFill xmlns="" xmlns:a14="http://schemas.microsoft.com/office/drawing/2010/main">
                 <a:solidFill>
                   <a:schemeClr val="accent1"/>
                 </a:solidFill>
               </a14:hiddenFill>
             </a:ext>
             <a:ext uri="{91240B29-F687-4F45-9708-019B960494DF}">
-              <a14:hiddenLine xmlns:a14="http://schemas.microsoft.com/office/drawing/2010/main" xmlns="" w="9525">
+              <a14:hiddenLine xmlns="" xmlns:a14="http://schemas.microsoft.com/office/drawing/2010/main" w="9525">
                 <a:solidFill>
                   <a:schemeClr val="tx1"/>
                 </a:solidFill>
@@ -11613,7 +11631,7 @@
               </a14:hiddenLine>
             </a:ext>
             <a:ext uri="{AF507438-7753-43E0-B8FC-AC1667EBCBE1}">
-              <a14:hiddenEffects xmlns:a14="http://schemas.microsoft.com/office/drawing/2010/main" xmlns="">
+              <a14:hiddenEffects xmlns="" xmlns:a14="http://schemas.microsoft.com/office/drawing/2010/main">
                 <a:effectLst>
                   <a:outerShdw dist="35921" dir="2700000" algn="ctr" rotWithShape="0">
                     <a:schemeClr val="bg2"/>
@@ -11703,14 +11721,14 @@
         <p:spPr>
           <a:extLst>
             <a:ext uri="{909E8E84-426E-40DD-AFC4-6F175D3DCCD1}">
-              <a14:hiddenFill xmlns:a14="http://schemas.microsoft.com/office/drawing/2010/main" xmlns="">
+              <a14:hiddenFill xmlns="" xmlns:a14="http://schemas.microsoft.com/office/drawing/2010/main">
                 <a:solidFill>
                   <a:schemeClr val="accent1"/>
                 </a:solidFill>
               </a14:hiddenFill>
             </a:ext>
             <a:ext uri="{91240B29-F687-4F45-9708-019B960494DF}">
-              <a14:hiddenLine xmlns:a14="http://schemas.microsoft.com/office/drawing/2010/main" xmlns="" w="9525">
+              <a14:hiddenLine xmlns="" xmlns:a14="http://schemas.microsoft.com/office/drawing/2010/main" w="9525">
                 <a:solidFill>
                   <a:schemeClr val="tx1"/>
                 </a:solidFill>
@@ -11720,7 +11738,7 @@
               </a14:hiddenLine>
             </a:ext>
             <a:ext uri="{AF507438-7753-43E0-B8FC-AC1667EBCBE1}">
-              <a14:hiddenEffects xmlns:a14="http://schemas.microsoft.com/office/drawing/2010/main" xmlns="">
+              <a14:hiddenEffects xmlns="" xmlns:a14="http://schemas.microsoft.com/office/drawing/2010/main">
                 <a:effectLst>
                   <a:outerShdw dist="35921" dir="2700000" algn="ctr" rotWithShape="0">
                     <a:schemeClr val="bg2"/>
@@ -11826,7 +11844,6 @@
               <a:rPr lang="en-US" sz="3600" dirty="0" smtClean="0"/>
               <a:t>Priority of other Masters</a:t>
             </a:r>
-            <a:endParaRPr lang="en-US" sz="3600" dirty="0" smtClean="0"/>
           </a:p>
         </p:txBody>
       </p:sp>
@@ -11893,14 +11910,14 @@
         <p:spPr>
           <a:extLst>
             <a:ext uri="{909E8E84-426E-40DD-AFC4-6F175D3DCCD1}">
-              <a14:hiddenFill xmlns:a14="http://schemas.microsoft.com/office/drawing/2010/main" xmlns="">
+              <a14:hiddenFill xmlns="" xmlns:a14="http://schemas.microsoft.com/office/drawing/2010/main">
                 <a:solidFill>
                   <a:schemeClr val="accent1"/>
                 </a:solidFill>
               </a14:hiddenFill>
             </a:ext>
             <a:ext uri="{91240B29-F687-4F45-9708-019B960494DF}">
-              <a14:hiddenLine xmlns:a14="http://schemas.microsoft.com/office/drawing/2010/main" xmlns="" w="9525">
+              <a14:hiddenLine xmlns="" xmlns:a14="http://schemas.microsoft.com/office/drawing/2010/main" w="9525">
                 <a:solidFill>
                   <a:schemeClr val="tx1"/>
                 </a:solidFill>
@@ -11910,7 +11927,7 @@
               </a14:hiddenLine>
             </a:ext>
             <a:ext uri="{AF507438-7753-43E0-B8FC-AC1667EBCBE1}">
-              <a14:hiddenEffects xmlns:a14="http://schemas.microsoft.com/office/drawing/2010/main" xmlns="">
+              <a14:hiddenEffects xmlns="" xmlns:a14="http://schemas.microsoft.com/office/drawing/2010/main">
                 <a:effectLst>
                   <a:outerShdw dist="35921" dir="2700000" algn="ctr" rotWithShape="0">
                     <a:schemeClr val="bg2"/>
@@ -12671,7 +12688,6 @@
               <a:rPr lang="en-US" sz="3600" dirty="0" smtClean="0"/>
               <a:t>Questions and Final Statement</a:t>
             </a:r>
-            <a:endParaRPr lang="en-US" sz="3600" dirty="0" smtClean="0"/>
           </a:p>
         </p:txBody>
       </p:sp>
@@ -12700,7 +12716,6 @@
               <a:rPr lang="en-US" dirty="0" smtClean="0"/>
               <a:t>I did not go through KeyStone II documents. I believe they are similar </a:t>
             </a:r>
-            <a:endParaRPr lang="en-US" dirty="0" smtClean="0"/>
           </a:p>
           <a:p>
             <a:pPr lvl="1"/>
